--- a/Day4/AWS-Day4.pptx
+++ b/Day4/AWS-Day4.pptx
@@ -39,7 +39,10 @@
     <p:sldId id="287" r:id="rId33"/>
     <p:sldId id="288" r:id="rId34"/>
     <p:sldId id="291" r:id="rId35"/>
-    <p:sldId id="260" r:id="rId36"/>
+    <p:sldId id="292" r:id="rId36"/>
+    <p:sldId id="293" r:id="rId37"/>
+    <p:sldId id="294" r:id="rId38"/>
+    <p:sldId id="260" r:id="rId39"/>
   </p:sldIdLst>
   <p:sldSz cx="12192000" cy="6858000"/>
   <p:notesSz cx="6858000" cy="9144000"/>
@@ -138,6 +141,11 @@
       </a:defRPr>
     </a:lvl9pPr>
   </p:defaultTextStyle>
+  <p:extLst>
+    <p:ext uri="{EFAFB233-063F-42B5-8137-9DF3F51BA10A}">
+      <p15:sldGuideLst xmlns:p15="http://schemas.microsoft.com/office/powerpoint/2012/main"/>
+    </p:ext>
+  </p:extLst>
 </p:presentation>
 </file>
 
@@ -643,7 +651,7 @@
           <a:p>
             <a:fld id="{3E21DD24-0A6A-4FB5-BA53-78C7DDE9C7C1}" type="datetimeFigureOut">
               <a:rPr lang="en-IN" smtClean="0"/>
-              <a:t>29-09-2023</a:t>
+              <a:t>30-09-2023</a:t>
             </a:fld>
             <a:endParaRPr lang="en-IN"/>
           </a:p>
@@ -939,7 +947,7 @@
           <a:p>
             <a:fld id="{3E21DD24-0A6A-4FB5-BA53-78C7DDE9C7C1}" type="datetimeFigureOut">
               <a:rPr lang="en-IN" smtClean="0"/>
-              <a:t>29-09-2023</a:t>
+              <a:t>30-09-2023</a:t>
             </a:fld>
             <a:endParaRPr lang="en-IN"/>
           </a:p>
@@ -1187,7 +1195,7 @@
           <a:p>
             <a:fld id="{3E21DD24-0A6A-4FB5-BA53-78C7DDE9C7C1}" type="datetimeFigureOut">
               <a:rPr lang="en-IN" smtClean="0"/>
-              <a:t>29-09-2023</a:t>
+              <a:t>30-09-2023</a:t>
             </a:fld>
             <a:endParaRPr lang="en-IN"/>
           </a:p>
@@ -1727,7 +1735,7 @@
           <a:p>
             <a:fld id="{3E21DD24-0A6A-4FB5-BA53-78C7DDE9C7C1}" type="datetimeFigureOut">
               <a:rPr lang="en-IN" smtClean="0"/>
-              <a:t>29-09-2023</a:t>
+              <a:t>30-09-2023</a:t>
             </a:fld>
             <a:endParaRPr lang="en-IN"/>
           </a:p>
@@ -1975,7 +1983,7 @@
           <a:p>
             <a:fld id="{3E21DD24-0A6A-4FB5-BA53-78C7DDE9C7C1}" type="datetimeFigureOut">
               <a:rPr lang="en-IN" smtClean="0"/>
-              <a:t>29-09-2023</a:t>
+              <a:t>30-09-2023</a:t>
             </a:fld>
             <a:endParaRPr lang="en-IN"/>
           </a:p>
@@ -2507,7 +2515,7 @@
           <a:p>
             <a:fld id="{3E21DD24-0A6A-4FB5-BA53-78C7DDE9C7C1}" type="datetimeFigureOut">
               <a:rPr lang="en-IN" smtClean="0"/>
-              <a:t>29-09-2023</a:t>
+              <a:t>30-09-2023</a:t>
             </a:fld>
             <a:endParaRPr lang="en-IN"/>
           </a:p>
@@ -2804,7 +2812,7 @@
           <a:p>
             <a:fld id="{3E21DD24-0A6A-4FB5-BA53-78C7DDE9C7C1}" type="datetimeFigureOut">
               <a:rPr lang="en-IN" smtClean="0"/>
-              <a:t>29-09-2023</a:t>
+              <a:t>30-09-2023</a:t>
             </a:fld>
             <a:endParaRPr lang="en-IN"/>
           </a:p>
@@ -2978,7 +2986,7 @@
           <a:p>
             <a:fld id="{3E21DD24-0A6A-4FB5-BA53-78C7DDE9C7C1}" type="datetimeFigureOut">
               <a:rPr lang="en-IN" smtClean="0"/>
-              <a:t>29-09-2023</a:t>
+              <a:t>30-09-2023</a:t>
             </a:fld>
             <a:endParaRPr lang="en-IN"/>
           </a:p>
@@ -3158,7 +3166,7 @@
           <a:p>
             <a:fld id="{3E21DD24-0A6A-4FB5-BA53-78C7DDE9C7C1}" type="datetimeFigureOut">
               <a:rPr lang="en-IN" smtClean="0"/>
-              <a:t>29-09-2023</a:t>
+              <a:t>30-09-2023</a:t>
             </a:fld>
             <a:endParaRPr lang="en-IN"/>
           </a:p>
@@ -3369,7 +3377,7 @@
           <a:p>
             <a:fld id="{3E21DD24-0A6A-4FB5-BA53-78C7DDE9C7C1}" type="datetimeFigureOut">
               <a:rPr lang="en-IN" smtClean="0"/>
-              <a:t>29-09-2023</a:t>
+              <a:t>30-09-2023</a:t>
             </a:fld>
             <a:endParaRPr lang="en-IN"/>
           </a:p>
@@ -3620,7 +3628,7 @@
           <a:p>
             <a:fld id="{3E21DD24-0A6A-4FB5-BA53-78C7DDE9C7C1}" type="datetimeFigureOut">
               <a:rPr lang="en-IN" smtClean="0"/>
-              <a:t>29-09-2023</a:t>
+              <a:t>30-09-2023</a:t>
             </a:fld>
             <a:endParaRPr lang="en-IN"/>
           </a:p>
@@ -3967,7 +3975,7 @@
           <a:p>
             <a:fld id="{3E21DD24-0A6A-4FB5-BA53-78C7DDE9C7C1}" type="datetimeFigureOut">
               <a:rPr lang="en-IN" smtClean="0"/>
-              <a:t>29-09-2023</a:t>
+              <a:t>30-09-2023</a:t>
             </a:fld>
             <a:endParaRPr lang="en-IN"/>
           </a:p>
@@ -4459,7 +4467,7 @@
           <a:p>
             <a:fld id="{3E21DD24-0A6A-4FB5-BA53-78C7DDE9C7C1}" type="datetimeFigureOut">
               <a:rPr lang="en-IN" smtClean="0"/>
-              <a:t>29-09-2023</a:t>
+              <a:t>30-09-2023</a:t>
             </a:fld>
             <a:endParaRPr lang="en-IN"/>
           </a:p>
@@ -4577,7 +4585,7 @@
           <a:p>
             <a:fld id="{3E21DD24-0A6A-4FB5-BA53-78C7DDE9C7C1}" type="datetimeFigureOut">
               <a:rPr lang="en-IN" smtClean="0"/>
-              <a:t>29-09-2023</a:t>
+              <a:t>30-09-2023</a:t>
             </a:fld>
             <a:endParaRPr lang="en-IN"/>
           </a:p>
@@ -4672,7 +4680,7 @@
           <a:p>
             <a:fld id="{3E21DD24-0A6A-4FB5-BA53-78C7DDE9C7C1}" type="datetimeFigureOut">
               <a:rPr lang="en-IN" smtClean="0"/>
-              <a:t>29-09-2023</a:t>
+              <a:t>30-09-2023</a:t>
             </a:fld>
             <a:endParaRPr lang="en-IN"/>
           </a:p>
@@ -4955,7 +4963,7 @@
           <a:p>
             <a:fld id="{3E21DD24-0A6A-4FB5-BA53-78C7DDE9C7C1}" type="datetimeFigureOut">
               <a:rPr lang="en-IN" smtClean="0"/>
-              <a:t>29-09-2023</a:t>
+              <a:t>30-09-2023</a:t>
             </a:fld>
             <a:endParaRPr lang="en-IN"/>
           </a:p>
@@ -5246,7 +5254,7 @@
           <a:p>
             <a:fld id="{3E21DD24-0A6A-4FB5-BA53-78C7DDE9C7C1}" type="datetimeFigureOut">
               <a:rPr lang="en-IN" smtClean="0"/>
-              <a:t>29-09-2023</a:t>
+              <a:t>30-09-2023</a:t>
             </a:fld>
             <a:endParaRPr lang="en-IN"/>
           </a:p>
@@ -5776,7 +5784,7 @@
           <a:p>
             <a:fld id="{3E21DD24-0A6A-4FB5-BA53-78C7DDE9C7C1}" type="datetimeFigureOut">
               <a:rPr lang="en-IN" smtClean="0"/>
-              <a:t>29-09-2023</a:t>
+              <a:t>30-09-2023</a:t>
             </a:fld>
             <a:endParaRPr lang="en-IN"/>
           </a:p>
@@ -6598,12 +6606,6 @@
           <a:bodyPr/>
           <a:lstStyle/>
           <a:p>
-            <a:br>
-              <a:rPr lang="en-US" dirty="0"/>
-            </a:br>
-            <a:endParaRPr lang="en-US" dirty="0"/>
-          </a:p>
-          <a:p>
             <a:r>
               <a:rPr lang="en-US" dirty="0"/>
               <a:t>An IAM custom policy is a policy that you create to define permissions for IAM users, groups, or roles.</a:t>
@@ -11113,6 +11115,555 @@
           <p:cNvPr id="2" name="Title 1">
             <a:extLst>
               <a:ext uri="{FF2B5EF4-FFF2-40B4-BE49-F238E27FC236}">
+                <a16:creationId xmlns:a16="http://schemas.microsoft.com/office/drawing/2014/main" id="{ED79CC23-8717-45EE-92CF-068B58E58D98}"/>
+              </a:ext>
+            </a:extLst>
+          </p:cNvPr>
+          <p:cNvSpPr>
+            <a:spLocks noGrp="1"/>
+          </p:cNvSpPr>
+          <p:nvPr>
+            <p:ph type="title"/>
+          </p:nvPr>
+        </p:nvSpPr>
+        <p:spPr>
+          <a:xfrm>
+            <a:off x="1086643" y="42862"/>
+            <a:ext cx="10018713" cy="828675"/>
+          </a:xfrm>
+        </p:spPr>
+        <p:txBody>
+          <a:bodyPr/>
+          <a:lstStyle/>
+          <a:p>
+            <a:r>
+              <a:rPr lang="en-IN" b="1" dirty="0"/>
+              <a:t>AWS Kendra</a:t>
+            </a:r>
+          </a:p>
+        </p:txBody>
+      </p:sp>
+      <p:pic>
+        <p:nvPicPr>
+          <p:cNvPr id="1026" name="Picture 2" descr="Diagram showing how Amazon Kendra ingests data from data sources to improve search accuracy, customer experiences, and employee productivity.">
+            <a:extLst>
+              <a:ext uri="{FF2B5EF4-FFF2-40B4-BE49-F238E27FC236}">
+                <a16:creationId xmlns:a16="http://schemas.microsoft.com/office/drawing/2014/main" id="{0115BF94-CD93-4F41-AB9A-9D7767419290}"/>
+              </a:ext>
+            </a:extLst>
+          </p:cNvPr>
+          <p:cNvPicPr>
+            <a:picLocks noGrp="1" noChangeAspect="1" noChangeArrowheads="1"/>
+          </p:cNvPicPr>
+          <p:nvPr>
+            <p:ph idx="1"/>
+          </p:nvPr>
+        </p:nvPicPr>
+        <p:blipFill>
+          <a:blip r:embed="rId2">
+            <a:extLst>
+              <a:ext uri="{28A0092B-C50C-407E-A947-70E740481C1C}">
+                <a14:useLocalDpi xmlns:a14="http://schemas.microsoft.com/office/drawing/2010/main" val="0"/>
+              </a:ext>
+            </a:extLst>
+          </a:blip>
+          <a:srcRect/>
+          <a:stretch>
+            <a:fillRect/>
+          </a:stretch>
+        </p:blipFill>
+        <p:spPr bwMode="auto">
+          <a:xfrm>
+            <a:off x="1746757" y="2967336"/>
+            <a:ext cx="10445243" cy="3914774"/>
+          </a:xfrm>
+          <a:prstGeom prst="rect">
+            <a:avLst/>
+          </a:prstGeom>
+          <a:noFill/>
+          <a:extLst>
+            <a:ext uri="{909E8E84-426E-40DD-AFC4-6F175D3DCCD1}">
+              <a14:hiddenFill xmlns:a14="http://schemas.microsoft.com/office/drawing/2010/main">
+                <a:solidFill>
+                  <a:srgbClr val="FFFFFF"/>
+                </a:solidFill>
+              </a14:hiddenFill>
+            </a:ext>
+          </a:extLst>
+        </p:spPr>
+      </p:pic>
+      <p:sp>
+        <p:nvSpPr>
+          <p:cNvPr id="4" name="Rectangle 3">
+            <a:extLst>
+              <a:ext uri="{FF2B5EF4-FFF2-40B4-BE49-F238E27FC236}">
+                <a16:creationId xmlns:a16="http://schemas.microsoft.com/office/drawing/2014/main" id="{11FE7DA9-170D-4B9D-818D-15D2C4FB12CB}"/>
+              </a:ext>
+            </a:extLst>
+          </p:cNvPr>
+          <p:cNvSpPr/>
+          <p:nvPr/>
+        </p:nvSpPr>
+        <p:spPr>
+          <a:xfrm>
+            <a:off x="1500188" y="593290"/>
+            <a:ext cx="10201274" cy="2523768"/>
+          </a:xfrm>
+          <a:prstGeom prst="rect">
+            <a:avLst/>
+          </a:prstGeom>
+        </p:spPr>
+        <p:txBody>
+          <a:bodyPr wrap="square">
+            <a:spAutoFit/>
+          </a:bodyPr>
+          <a:lstStyle/>
+          <a:p>
+            <a:br>
+              <a:rPr lang="en-US" dirty="0">
+                <a:latin typeface="Times New Roman" panose="02020603050405020304" pitchFamily="18" charset="0"/>
+              </a:rPr>
+            </a:br>
+            <a:endParaRPr lang="en-US" sz="2000" dirty="0">
+              <a:latin typeface="Times New Roman" panose="02020603050405020304" pitchFamily="18" charset="0"/>
+            </a:endParaRPr>
+          </a:p>
+          <a:p>
+            <a:pPr marL="342900" indent="-342900">
+              <a:buFont typeface="Arial" panose="020B0604020202020204" pitchFamily="34" charset="0"/>
+              <a:buChar char="•"/>
+            </a:pPr>
+            <a:r>
+              <a:rPr lang="en-US" sz="2000" dirty="0">
+                <a:latin typeface="Google Sans"/>
+              </a:rPr>
+              <a:t>AWS Kendra is an intelligent search service that uses machine learning to help you find information across your organization. </a:t>
+            </a:r>
+          </a:p>
+          <a:p>
+            <a:pPr marL="342900" indent="-342900">
+              <a:buFont typeface="Arial" panose="020B0604020202020204" pitchFamily="34" charset="0"/>
+              <a:buChar char="•"/>
+            </a:pPr>
+            <a:r>
+              <a:rPr lang="en-US" sz="2000" dirty="0">
+                <a:latin typeface="Google Sans"/>
+              </a:rPr>
+              <a:t>It can index and search content from a variety of sources, including Amazon S3 buckets, Microsoft SharePoint, Salesforce, and ServiceNow.</a:t>
+            </a:r>
+          </a:p>
+          <a:p>
+            <a:pPr marL="342900" indent="-342900">
+              <a:buFont typeface="Arial" panose="020B0604020202020204" pitchFamily="34" charset="0"/>
+              <a:buChar char="•"/>
+            </a:pPr>
+            <a:r>
+              <a:rPr lang="en-US" sz="2000" dirty="0">
+                <a:latin typeface="Google Sans"/>
+              </a:rPr>
+              <a:t> AWS Kendra also supports document metadata and synonyms, which can help you improve the relevance of your search results.</a:t>
+            </a:r>
+            <a:endParaRPr lang="en-US" sz="2000" b="0" i="0" dirty="0">
+              <a:effectLst/>
+              <a:latin typeface="Google Sans"/>
+            </a:endParaRPr>
+          </a:p>
+        </p:txBody>
+      </p:sp>
+    </p:spTree>
+    <p:extLst>
+      <p:ext uri="{BB962C8B-B14F-4D97-AF65-F5344CB8AC3E}">
+        <p14:creationId xmlns:p14="http://schemas.microsoft.com/office/powerpoint/2010/main" val="4147123962"/>
+      </p:ext>
+    </p:extLst>
+  </p:cSld>
+  <p:clrMapOvr>
+    <a:masterClrMapping/>
+  </p:clrMapOvr>
+</p:sld>
+</file>
+
+<file path=ppt/slides/slide36.xml><?xml version="1.0" encoding="utf-8"?>
+<p:sld xmlns:a="http://schemas.openxmlformats.org/drawingml/2006/main" xmlns:r="http://schemas.openxmlformats.org/officeDocument/2006/relationships" xmlns:p="http://schemas.openxmlformats.org/presentationml/2006/main">
+  <p:cSld>
+    <p:spTree>
+      <p:nvGrpSpPr>
+        <p:cNvPr id="1" name=""/>
+        <p:cNvGrpSpPr/>
+        <p:nvPr/>
+      </p:nvGrpSpPr>
+      <p:grpSpPr>
+        <a:xfrm>
+          <a:off x="0" y="0"/>
+          <a:ext cx="0" cy="0"/>
+          <a:chOff x="0" y="0"/>
+          <a:chExt cx="0" cy="0"/>
+        </a:xfrm>
+      </p:grpSpPr>
+      <p:sp>
+        <p:nvSpPr>
+          <p:cNvPr id="2" name="Title 1">
+            <a:extLst>
+              <a:ext uri="{FF2B5EF4-FFF2-40B4-BE49-F238E27FC236}">
+                <a16:creationId xmlns:a16="http://schemas.microsoft.com/office/drawing/2014/main" id="{D749B494-2C31-46CB-AF9E-6F0E12A198A2}"/>
+              </a:ext>
+            </a:extLst>
+          </p:cNvPr>
+          <p:cNvSpPr>
+            <a:spLocks noGrp="1"/>
+          </p:cNvSpPr>
+          <p:nvPr>
+            <p:ph type="title"/>
+          </p:nvPr>
+        </p:nvSpPr>
+        <p:spPr>
+          <a:xfrm>
+            <a:off x="3813173" y="242889"/>
+            <a:ext cx="4002089" cy="928688"/>
+          </a:xfrm>
+        </p:spPr>
+        <p:txBody>
+          <a:bodyPr/>
+          <a:lstStyle/>
+          <a:p>
+            <a:r>
+              <a:rPr lang="en-IN" b="1" dirty="0"/>
+              <a:t>AWS Kendra-2</a:t>
+            </a:r>
+          </a:p>
+        </p:txBody>
+      </p:sp>
+      <p:sp>
+        <p:nvSpPr>
+          <p:cNvPr id="3" name="Content Placeholder 2">
+            <a:extLst>
+              <a:ext uri="{FF2B5EF4-FFF2-40B4-BE49-F238E27FC236}">
+                <a16:creationId xmlns:a16="http://schemas.microsoft.com/office/drawing/2014/main" id="{E0D97098-9947-416B-B02D-27330ED19561}"/>
+              </a:ext>
+            </a:extLst>
+          </p:cNvPr>
+          <p:cNvSpPr>
+            <a:spLocks noGrp="1"/>
+          </p:cNvSpPr>
+          <p:nvPr>
+            <p:ph idx="1"/>
+          </p:nvPr>
+        </p:nvSpPr>
+        <p:spPr>
+          <a:xfrm>
+            <a:off x="2230436" y="1614490"/>
+            <a:ext cx="10018713" cy="5372099"/>
+          </a:xfrm>
+        </p:spPr>
+        <p:txBody>
+          <a:bodyPr>
+            <a:normAutofit fontScale="85000" lnSpcReduction="20000"/>
+          </a:bodyPr>
+          <a:lstStyle/>
+          <a:p>
+            <a:r>
+              <a:rPr lang="en-US" dirty="0"/>
+              <a:t>Working with AWS Kendra involves the following steps:</a:t>
+            </a:r>
+          </a:p>
+          <a:p>
+            <a:pPr>
+              <a:buFont typeface="Wingdings" panose="05000000000000000000" pitchFamily="2" charset="2"/>
+              <a:buChar char="Ø"/>
+            </a:pPr>
+            <a:r>
+              <a:rPr lang="en-US" b="1" dirty="0"/>
+              <a:t>Create an index. </a:t>
+            </a:r>
+            <a:r>
+              <a:rPr lang="en-US" dirty="0"/>
+              <a:t>An index is a collection of documents that you want to search. To create an index, you need to specify a data source. </a:t>
+            </a:r>
+          </a:p>
+          <a:p>
+            <a:pPr marL="0" indent="0">
+              <a:buNone/>
+            </a:pPr>
+            <a:r>
+              <a:rPr lang="en-US" dirty="0"/>
+              <a:t>         A data source is a location where your documents are stored, such as an Amazon S3 bucket or a Microsoft SharePoint site.</a:t>
+            </a:r>
+          </a:p>
+          <a:p>
+            <a:pPr>
+              <a:buFont typeface="Wingdings" panose="05000000000000000000" pitchFamily="2" charset="2"/>
+              <a:buChar char="Ø"/>
+            </a:pPr>
+            <a:r>
+              <a:rPr lang="en-US" b="1" dirty="0"/>
+              <a:t>Ingest documents. </a:t>
+            </a:r>
+            <a:r>
+              <a:rPr lang="en-US" dirty="0"/>
+              <a:t>Once you have created an index, you need to ingest documents into it. </a:t>
+            </a:r>
+          </a:p>
+          <a:p>
+            <a:pPr marL="0" indent="0">
+              <a:buNone/>
+            </a:pPr>
+            <a:r>
+              <a:rPr lang="en-US" dirty="0"/>
+              <a:t>           You can ingest documents manually or automatically.</a:t>
+            </a:r>
+          </a:p>
+          <a:p>
+            <a:pPr marL="0" indent="0">
+              <a:buNone/>
+            </a:pPr>
+            <a:r>
+              <a:rPr lang="en-US" dirty="0"/>
+              <a:t>              To ingest documents manually, you can use the Amazon Kendra console or the Amazon Kendra SDK. </a:t>
+            </a:r>
+          </a:p>
+          <a:p>
+            <a:pPr marL="0" indent="0">
+              <a:buNone/>
+            </a:pPr>
+            <a:r>
+              <a:rPr lang="en-US" dirty="0"/>
+              <a:t>          To ingest documents automatically, you can use a connector. </a:t>
+            </a:r>
+          </a:p>
+          <a:p>
+            <a:pPr marL="0" indent="0">
+              <a:buNone/>
+            </a:pPr>
+            <a:r>
+              <a:rPr lang="en-US" b="1" dirty="0"/>
+              <a:t>         A connector </a:t>
+            </a:r>
+            <a:r>
+              <a:rPr lang="en-US" dirty="0"/>
+              <a:t>is a tool that connects AWS Kendra to a data source and ingests documents from that data source into AWS Kendra.</a:t>
+            </a:r>
+          </a:p>
+          <a:p>
+            <a:pPr>
+              <a:buFont typeface="Wingdings" panose="05000000000000000000" pitchFamily="2" charset="2"/>
+              <a:buChar char="Ø"/>
+            </a:pPr>
+            <a:r>
+              <a:rPr lang="en-US" b="1" dirty="0"/>
+              <a:t>Query the index. </a:t>
+            </a:r>
+            <a:r>
+              <a:rPr lang="en-US" dirty="0"/>
+              <a:t>Once you have ingested documents into an index, you can start querying the index to find the information you need. </a:t>
+            </a:r>
+          </a:p>
+          <a:p>
+            <a:pPr marL="0" indent="0">
+              <a:buNone/>
+            </a:pPr>
+            <a:r>
+              <a:rPr lang="en-US" dirty="0"/>
+              <a:t>                  You can query the index using the Amazon Kendra console, the Amazon Kendra SDK, or a third-party search application.</a:t>
+            </a:r>
+          </a:p>
+          <a:p>
+            <a:endParaRPr lang="en-IN" dirty="0"/>
+          </a:p>
+        </p:txBody>
+      </p:sp>
+    </p:spTree>
+    <p:extLst>
+      <p:ext uri="{BB962C8B-B14F-4D97-AF65-F5344CB8AC3E}">
+        <p14:creationId xmlns:p14="http://schemas.microsoft.com/office/powerpoint/2010/main" val="3379110385"/>
+      </p:ext>
+    </p:extLst>
+  </p:cSld>
+  <p:clrMapOvr>
+    <a:masterClrMapping/>
+  </p:clrMapOvr>
+</p:sld>
+</file>
+
+<file path=ppt/slides/slide37.xml><?xml version="1.0" encoding="utf-8"?>
+<p:sld xmlns:a="http://schemas.openxmlformats.org/drawingml/2006/main" xmlns:r="http://schemas.openxmlformats.org/officeDocument/2006/relationships" xmlns:p="http://schemas.openxmlformats.org/presentationml/2006/main">
+  <p:cSld>
+    <p:spTree>
+      <p:nvGrpSpPr>
+        <p:cNvPr id="1" name=""/>
+        <p:cNvGrpSpPr/>
+        <p:nvPr/>
+      </p:nvGrpSpPr>
+      <p:grpSpPr>
+        <a:xfrm>
+          <a:off x="0" y="0"/>
+          <a:ext cx="0" cy="0"/>
+          <a:chOff x="0" y="0"/>
+          <a:chExt cx="0" cy="0"/>
+        </a:xfrm>
+      </p:grpSpPr>
+      <p:sp>
+        <p:nvSpPr>
+          <p:cNvPr id="2" name="Title 1">
+            <a:extLst>
+              <a:ext uri="{FF2B5EF4-FFF2-40B4-BE49-F238E27FC236}">
+                <a16:creationId xmlns:a16="http://schemas.microsoft.com/office/drawing/2014/main" id="{B9E17C82-FE76-4A63-B7BA-0F1CBE9726B7}"/>
+              </a:ext>
+            </a:extLst>
+          </p:cNvPr>
+          <p:cNvSpPr>
+            <a:spLocks noGrp="1"/>
+          </p:cNvSpPr>
+          <p:nvPr>
+            <p:ph type="title"/>
+          </p:nvPr>
+        </p:nvSpPr>
+        <p:spPr>
+          <a:xfrm>
+            <a:off x="1484311" y="685801"/>
+            <a:ext cx="10018713" cy="228600"/>
+          </a:xfrm>
+        </p:spPr>
+        <p:txBody>
+          <a:bodyPr>
+            <a:normAutofit fontScale="90000"/>
+          </a:bodyPr>
+          <a:lstStyle/>
+          <a:p>
+            <a:r>
+              <a:rPr lang="en-US" b="1" dirty="0"/>
+              <a:t>Examples of how AWS Kendra can be used</a:t>
+            </a:r>
+            <a:br>
+              <a:rPr lang="en-US" dirty="0"/>
+            </a:br>
+            <a:endParaRPr lang="en-IN" dirty="0"/>
+          </a:p>
+        </p:txBody>
+      </p:sp>
+      <p:sp>
+        <p:nvSpPr>
+          <p:cNvPr id="3" name="Content Placeholder 2">
+            <a:extLst>
+              <a:ext uri="{FF2B5EF4-FFF2-40B4-BE49-F238E27FC236}">
+                <a16:creationId xmlns:a16="http://schemas.microsoft.com/office/drawing/2014/main" id="{F04CBCE6-8CAD-468C-BA4D-F37C8F3C3DE9}"/>
+              </a:ext>
+            </a:extLst>
+          </p:cNvPr>
+          <p:cNvSpPr>
+            <a:spLocks noGrp="1"/>
+          </p:cNvSpPr>
+          <p:nvPr>
+            <p:ph idx="1"/>
+          </p:nvPr>
+        </p:nvSpPr>
+        <p:spPr>
+          <a:xfrm>
+            <a:off x="2371725" y="1285875"/>
+            <a:ext cx="9593262" cy="5572125"/>
+          </a:xfrm>
+        </p:spPr>
+        <p:txBody>
+          <a:bodyPr>
+            <a:normAutofit fontScale="92500" lnSpcReduction="10000"/>
+          </a:bodyPr>
+          <a:lstStyle/>
+          <a:p>
+            <a:r>
+              <a:rPr lang="en-US" b="1" dirty="0"/>
+              <a:t>Search for information in a company's internal knowledge base</a:t>
+            </a:r>
+            <a:r>
+              <a:rPr lang="en-US" dirty="0"/>
+              <a:t>. AWS Kendra can be used to search for information in a company's internal knowledge base, such as FAQs, product documentation, and training materials.</a:t>
+            </a:r>
+          </a:p>
+          <a:p>
+            <a:pPr marL="0" indent="0">
+              <a:buNone/>
+            </a:pPr>
+            <a:r>
+              <a:rPr lang="en-US" dirty="0"/>
+              <a:t>            This can help employees find the information they need to do their jobs more efficiently.</a:t>
+            </a:r>
+          </a:p>
+          <a:p>
+            <a:r>
+              <a:rPr lang="en-US" b="1" dirty="0"/>
+              <a:t>Search for information in a customer support database</a:t>
+            </a:r>
+            <a:r>
+              <a:rPr lang="en-US" dirty="0"/>
+              <a:t>. AWS Kendra can be used to search for information in a customer support database, such as tickets, chat logs, and emails. </a:t>
+            </a:r>
+          </a:p>
+          <a:p>
+            <a:pPr marL="0" indent="0">
+              <a:buNone/>
+            </a:pPr>
+            <a:r>
+              <a:rPr lang="en-US" dirty="0"/>
+              <a:t>              This can help customer support representatives find the information they need to resolve customer issues more quickly.</a:t>
+            </a:r>
+          </a:p>
+          <a:p>
+            <a:r>
+              <a:rPr lang="en-US" b="1" dirty="0"/>
+              <a:t>Search for information in a research database</a:t>
+            </a:r>
+            <a:r>
+              <a:rPr lang="en-US" dirty="0"/>
+              <a:t>. AWS Kendra can be used to search for information in a research database, such as scientific journals, patents, and grant proposals. </a:t>
+            </a:r>
+          </a:p>
+          <a:p>
+            <a:pPr marL="0" indent="0">
+              <a:buNone/>
+            </a:pPr>
+            <a:r>
+              <a:rPr lang="en-US" dirty="0"/>
+              <a:t>    This can help researchers find the information they need to conduct their research more efficiently.</a:t>
+            </a:r>
+          </a:p>
+          <a:p>
+            <a:endParaRPr lang="en-IN" dirty="0"/>
+          </a:p>
+        </p:txBody>
+      </p:sp>
+    </p:spTree>
+    <p:extLst>
+      <p:ext uri="{BB962C8B-B14F-4D97-AF65-F5344CB8AC3E}">
+        <p14:creationId xmlns:p14="http://schemas.microsoft.com/office/powerpoint/2010/main" val="3775291063"/>
+      </p:ext>
+    </p:extLst>
+  </p:cSld>
+  <p:clrMapOvr>
+    <a:masterClrMapping/>
+  </p:clrMapOvr>
+</p:sld>
+</file>
+
+<file path=ppt/slides/slide38.xml><?xml version="1.0" encoding="utf-8"?>
+<p:sld xmlns:a="http://schemas.openxmlformats.org/drawingml/2006/main" xmlns:r="http://schemas.openxmlformats.org/officeDocument/2006/relationships" xmlns:p="http://schemas.openxmlformats.org/presentationml/2006/main">
+  <p:cSld>
+    <p:spTree>
+      <p:nvGrpSpPr>
+        <p:cNvPr id="1" name=""/>
+        <p:cNvGrpSpPr/>
+        <p:nvPr/>
+      </p:nvGrpSpPr>
+      <p:grpSpPr>
+        <a:xfrm>
+          <a:off x="0" y="0"/>
+          <a:ext cx="0" cy="0"/>
+          <a:chOff x="0" y="0"/>
+          <a:chExt cx="0" cy="0"/>
+        </a:xfrm>
+      </p:grpSpPr>
+      <p:sp>
+        <p:nvSpPr>
+          <p:cNvPr id="2" name="Title 1">
+            <a:extLst>
+              <a:ext uri="{FF2B5EF4-FFF2-40B4-BE49-F238E27FC236}">
                 <a16:creationId xmlns:a16="http://schemas.microsoft.com/office/drawing/2014/main" id="{50B92D92-8E88-44C4-84D0-D1E2B69E6A6D}"/>
               </a:ext>
             </a:extLst>
